--- a/임베디드 텀프로젝트.pptx
+++ b/임베디드 텀프로젝트.pptx
@@ -111,6 +111,11 @@
       </a:defRPr>
     </a:lvl9pPr>
   </p:defaultTextStyle>
+  <p:extLst>
+    <p:ext uri="{EFAFB233-063F-42B5-8137-9DF3F51BA10A}">
+      <p15:sldGuideLst xmlns:p15="http://schemas.microsoft.com/office/powerpoint/2012/main"/>
+    </p:ext>
+  </p:extLst>
 </p:presentation>
 </file>
 
@@ -6136,7 +6141,26 @@
             </a:r>
             <a:r>
               <a:rPr lang="ko-KR" altLang="en-US" dirty="0" smtClean="0"/>
-              <a:t>선정 </a:t>
+              <a:t>선정</a:t>
+            </a:r>
+            <a:r>
+              <a:rPr lang="en-US" altLang="ko-KR" dirty="0"/>
+              <a:t/>
+            </a:r>
+            <a:br>
+              <a:rPr lang="en-US" altLang="ko-KR" dirty="0"/>
+            </a:br>
+            <a:r>
+              <a:rPr lang="ko-KR" altLang="en-US" dirty="0" smtClean="0"/>
+              <a:t>버그 발견 및 수정</a:t>
+            </a:r>
+            <a:r>
+              <a:rPr lang="en-US" altLang="ko-KR" dirty="0" smtClean="0"/>
+              <a:t>… </a:t>
+            </a:r>
+            <a:r>
+              <a:rPr lang="ko-KR" altLang="en-US" dirty="0" smtClean="0"/>
+              <a:t> </a:t>
             </a:r>
             <a:r>
               <a:rPr lang="en-US" altLang="ko-KR" dirty="0" smtClean="0"/>
@@ -6233,7 +6257,23 @@
             </a:r>
             <a:r>
               <a:rPr lang="ko-KR" altLang="en-US" dirty="0" smtClean="0"/>
-              <a:t>기타 효과 구현</a:t>
+              <a:t>기타 효과 </a:t>
+            </a:r>
+            <a:r>
+              <a:rPr lang="ko-KR" altLang="en-US" dirty="0" smtClean="0"/>
+              <a:t>구현</a:t>
+            </a:r>
+            <a:r>
+              <a:rPr lang="en-US" altLang="ko-KR" dirty="0" smtClean="0"/>
+              <a:t>, </a:t>
+            </a:r>
+            <a:r>
+              <a:rPr lang="ko-KR" altLang="en-US" strike="sngStrike" dirty="0" err="1" smtClean="0"/>
+              <a:t>버그생성</a:t>
+            </a:r>
+            <a:r>
+              <a:rPr lang="ko-KR" altLang="en-US" dirty="0" smtClean="0"/>
+              <a:t> </a:t>
             </a:r>
             <a:endParaRPr lang="ko-KR" altLang="en-US" dirty="0"/>
           </a:p>
@@ -6432,6 +6472,29 @@
             <a:r>
               <a:rPr lang="en-US" altLang="ko-KR" sz="2800" dirty="0" smtClean="0"/>
               <a:t> </a:t>
+            </a:r>
+            <a:r>
+              <a:rPr lang="ko-KR" altLang="en-US" sz="2800" dirty="0" smtClean="0"/>
+              <a:t>기관총 </a:t>
+            </a:r>
+            <a:r>
+              <a:rPr lang="en-US" altLang="ko-KR" sz="2800" dirty="0" smtClean="0"/>
+              <a:t/>
+            </a:r>
+            <a:br>
+              <a:rPr lang="en-US" altLang="ko-KR" sz="2800" dirty="0" smtClean="0"/>
+            </a:br>
+            <a:r>
+              <a:rPr lang="ko-KR" altLang="en-US" sz="2800" dirty="0" smtClean="0"/>
+              <a:t>연사의 속도를 의도적으로 </a:t>
+            </a:r>
+            <a:r>
+              <a:rPr lang="ko-KR" altLang="en-US" sz="2800" smtClean="0"/>
+              <a:t>조정하여 너무 빨리 발사되지 않도록 함</a:t>
+            </a:r>
+            <a:r>
+              <a:rPr lang="en-US" altLang="ko-KR" sz="2800" dirty="0" smtClean="0"/>
+              <a:t/>
             </a:r>
             <a:br>
               <a:rPr lang="en-US" altLang="ko-KR" sz="2800" dirty="0" smtClean="0"/>
